--- a/media/device_zh.pptx
+++ b/media/device_zh.pptx
@@ -154,7 +154,7 @@
             <a:srgbClr val="A4A3A4"/>
           </p15:clr>
         </p15:guide>
-        <p15:guide id="5" pos="1844" userDrawn="1">
+        <p15:guide id="5" pos="1799" userDrawn="1">
           <p15:clr>
             <a:srgbClr val="A4A3A4"/>
           </p15:clr>
@@ -287,7 +287,7 @@
           <a:p>
             <a:fld id="{47277FB0-21EC-48C5-90B0-184600466A6C}" type="datetimeFigureOut">
               <a:rPr lang="zh-CN" altLang="en-US" smtClean="0"/>
-              <a:t>2019/1/10</a:t>
+              <a:t>2019/1/17</a:t>
             </a:fld>
             <a:endParaRPr lang="zh-CN" altLang="en-US"/>
           </a:p>
@@ -452,7 +452,7 @@
           <a:p>
             <a:fld id="{9C967889-4715-5C4F-A252-FFC716185AB6}" type="datetimeFigureOut">
               <a:rPr lang="en-US" smtClean="0"/>
-              <a:t>1/10/19</a:t>
+              <a:t>1/17/19</a:t>
             </a:fld>
             <a:endParaRPr lang="en-US"/>
           </a:p>
@@ -20406,10 +20406,10 @@
           <a:lstStyle/>
           <a:p>
             <a:r>
-              <a:rPr kumimoji="1" lang="en-US" altLang="zh-CN" dirty="0"/>
+              <a:rPr kumimoji="1" lang="en-US" altLang="zh-CN" strike="sngStrike" dirty="0"/>
               <a:t>connection_scenario_2.2</a:t>
             </a:r>
-            <a:endParaRPr kumimoji="1" lang="zh-CN" altLang="en-US" dirty="0"/>
+            <a:endParaRPr kumimoji="1" lang="zh-CN" altLang="en-US" strike="sngStrike" dirty="0"/>
           </a:p>
         </p:txBody>
       </p:sp>
@@ -21132,7 +21132,7 @@
                     <a:latin typeface="Microsoft YaHei" panose="020B0503020204020204" pitchFamily="34" charset="-122"/>
                     <a:ea typeface="Microsoft YaHei" panose="020B0503020204020204" pitchFamily="34" charset="-122"/>
                   </a:rPr>
-                  <a:t>2.2</a:t>
+                  <a:t>1.1</a:t>
                 </a:r>
                 <a:endParaRPr kumimoji="1" lang="zh-CN" altLang="en-US" sz="1200" dirty="0">
                   <a:solidFill>
@@ -21234,6 +21234,45 @@
           </p:style>
         </p:cxnSp>
       </p:grpSp>
+      <p:sp>
+        <p:nvSpPr>
+          <p:cNvPr id="2" name="文本框 1">
+            <a:extLst>
+              <a:ext uri="{FF2B5EF4-FFF2-40B4-BE49-F238E27FC236}">
+                <a16:creationId xmlns:a16="http://schemas.microsoft.com/office/drawing/2014/main" id="{9BF47896-6023-7B4C-BD00-78061D10B71C}"/>
+              </a:ext>
+            </a:extLst>
+          </p:cNvPr>
+          <p:cNvSpPr txBox="1"/>
+          <p:nvPr/>
+        </p:nvSpPr>
+        <p:spPr>
+          <a:xfrm>
+            <a:off x="3492708" y="374754"/>
+            <a:ext cx="2592376" cy="646331"/>
+          </a:xfrm>
+          <a:prstGeom prst="rect">
+            <a:avLst/>
+          </a:prstGeom>
+          <a:noFill/>
+        </p:spPr>
+        <p:txBody>
+          <a:bodyPr wrap="none" rtlCol="0">
+            <a:spAutoFit/>
+          </a:bodyPr>
+          <a:lstStyle/>
+          <a:p>
+            <a:r>
+              <a:rPr kumimoji="1" lang="en-US" altLang="zh-CN" dirty="0"/>
+              <a:t>connection_scenario_1.1</a:t>
+            </a:r>
+            <a:endParaRPr kumimoji="1" lang="zh-CN" altLang="en-US" dirty="0"/>
+          </a:p>
+          <a:p>
+            <a:endParaRPr kumimoji="1" lang="zh-CN" altLang="en-US" dirty="0"/>
+          </a:p>
+        </p:txBody>
+      </p:sp>
     </p:spTree>
     <p:extLst>
       <p:ext uri="{BB962C8B-B14F-4D97-AF65-F5344CB8AC3E}">
@@ -21293,10 +21332,10 @@
           <a:lstStyle/>
           <a:p>
             <a:r>
-              <a:rPr kumimoji="1" lang="en-US" altLang="zh-CN" dirty="0"/>
+              <a:rPr kumimoji="1" lang="en-US" altLang="zh-CN" strike="sngStrike" dirty="0"/>
               <a:t>connection_scenario_2.3</a:t>
             </a:r>
-            <a:endParaRPr kumimoji="1" lang="zh-CN" altLang="en-US" dirty="0"/>
+            <a:endParaRPr kumimoji="1" lang="zh-CN" altLang="en-US" strike="sngStrike" dirty="0"/>
           </a:p>
         </p:txBody>
       </p:sp>
@@ -21315,9 +21354,9 @@
         <p:grpSpPr>
           <a:xfrm>
             <a:off x="-1608856" y="2132856"/>
-            <a:ext cx="14646095" cy="1598181"/>
+            <a:ext cx="14646095" cy="1369173"/>
             <a:chOff x="-1539692" y="692696"/>
-            <a:chExt cx="14646095" cy="1598181"/>
+            <a:chExt cx="14646095" cy="1369173"/>
           </a:xfrm>
         </p:grpSpPr>
         <p:sp>
@@ -21448,9 +21487,9 @@
           <p:grpSpPr>
             <a:xfrm>
               <a:off x="-1539692" y="692696"/>
-              <a:ext cx="14646095" cy="1598181"/>
+              <a:ext cx="14646095" cy="1369173"/>
               <a:chOff x="-1539692" y="692696"/>
-              <a:chExt cx="14646095" cy="1598181"/>
+              <a:chExt cx="14646095" cy="1369173"/>
             </a:xfrm>
           </p:grpSpPr>
           <p:pic>
@@ -21995,8 +22034,8 @@
             </p:nvSpPr>
             <p:spPr>
               <a:xfrm>
-                <a:off x="-894070" y="1275214"/>
-                <a:ext cx="1977273" cy="1015663"/>
+                <a:off x="-894069" y="1342509"/>
+                <a:ext cx="1871796" cy="646331"/>
               </a:xfrm>
               <a:prstGeom prst="rect">
                 <a:avLst/>
@@ -22004,7 +22043,7 @@
               <a:noFill/>
             </p:spPr>
             <p:txBody>
-              <a:bodyPr wrap="none" rtlCol="0">
+              <a:bodyPr wrap="square" rtlCol="0">
                 <a:spAutoFit/>
               </a:bodyPr>
               <a:lstStyle/>
@@ -22029,16 +22068,6 @@
               </a:p>
               <a:p>
                 <a:r>
-                  <a:rPr kumimoji="1" lang="en-US" altLang="zh-CN" sz="1200" dirty="0">
-                    <a:solidFill>
-                      <a:srgbClr val="5E6280"/>
-                    </a:solidFill>
-                    <a:latin typeface="Microsoft YaHei" panose="020B0503020204020204" pitchFamily="34" charset="-122"/>
-                    <a:ea typeface="Microsoft YaHei" panose="020B0503020204020204" pitchFamily="34" charset="-122"/>
-                  </a:rPr>
-                  <a:t>Product</a:t>
-                </a:r>
-                <a:r>
                   <a:rPr kumimoji="1" lang="zh-CN" altLang="en-US" sz="1200" dirty="0">
                     <a:solidFill>
                       <a:srgbClr val="5E6280"/>
@@ -22046,7 +22075,7 @@
                     <a:latin typeface="Microsoft YaHei" panose="020B0503020204020204" pitchFamily="34" charset="-122"/>
                     <a:ea typeface="Microsoft YaHei" panose="020B0503020204020204" pitchFamily="34" charset="-122"/>
                   </a:rPr>
-                  <a:t>开启动态注册</a:t>
+                  <a:t>设备烧录产品证书，</a:t>
                 </a:r>
                 <a:endParaRPr kumimoji="1" lang="en-US" altLang="zh-CN" sz="1200" dirty="0">
                   <a:solidFill>
@@ -22065,76 +22094,8 @@
                     <a:latin typeface="Microsoft YaHei" panose="020B0503020204020204" pitchFamily="34" charset="-122"/>
                     <a:ea typeface="Microsoft YaHei" panose="020B0503020204020204" pitchFamily="34" charset="-122"/>
                   </a:rPr>
-                  <a:t>设备烧录</a:t>
+                  <a:t>且启用了动态激活</a:t>
                 </a:r>
-                <a:r>
-                  <a:rPr kumimoji="1" lang="en-US" altLang="zh-CN" sz="1200" dirty="0" err="1">
-                    <a:solidFill>
-                      <a:srgbClr val="FFC000"/>
-                    </a:solidFill>
-                    <a:latin typeface="Microsoft YaHei" panose="020B0503020204020204" pitchFamily="34" charset="-122"/>
-                    <a:ea typeface="Microsoft YaHei" panose="020B0503020204020204" pitchFamily="34" charset="-122"/>
-                  </a:rPr>
-                  <a:t>productKey</a:t>
-                </a:r>
-                <a:r>
-                  <a:rPr kumimoji="1" lang="zh-CN" altLang="en-US" sz="1200" dirty="0">
-                    <a:solidFill>
-                      <a:srgbClr val="5E6280"/>
-                    </a:solidFill>
-                    <a:latin typeface="Microsoft YaHei" panose="020B0503020204020204" pitchFamily="34" charset="-122"/>
-                    <a:ea typeface="Microsoft YaHei" panose="020B0503020204020204" pitchFamily="34" charset="-122"/>
-                  </a:rPr>
-                  <a:t>，</a:t>
-                </a:r>
-                <a:endParaRPr kumimoji="1" lang="en-US" altLang="zh-CN" sz="1200" dirty="0">
-                  <a:solidFill>
-                    <a:srgbClr val="5E6280"/>
-                  </a:solidFill>
-                  <a:latin typeface="Microsoft YaHei" panose="020B0503020204020204" pitchFamily="34" charset="-122"/>
-                  <a:ea typeface="Microsoft YaHei" panose="020B0503020204020204" pitchFamily="34" charset="-122"/>
-                </a:endParaRPr>
-              </a:p>
-              <a:p>
-                <a:r>
-                  <a:rPr kumimoji="1" lang="en-US" altLang="zh-CN" sz="1200" dirty="0" err="1">
-                    <a:solidFill>
-                      <a:srgbClr val="FFC000"/>
-                    </a:solidFill>
-                    <a:latin typeface="Microsoft YaHei" panose="020B0503020204020204" pitchFamily="34" charset="-122"/>
-                    <a:ea typeface="Microsoft YaHei" panose="020B0503020204020204" pitchFamily="34" charset="-122"/>
-                  </a:rPr>
-                  <a:t>deviceKey</a:t>
-                </a:r>
-                <a:r>
-                  <a:rPr kumimoji="1" lang="zh-CN" altLang="en-US" sz="1200" dirty="0">
-                    <a:solidFill>
-                      <a:srgbClr val="5E6280"/>
-                    </a:solidFill>
-                    <a:latin typeface="Microsoft YaHei" panose="020B0503020204020204" pitchFamily="34" charset="-122"/>
-                    <a:ea typeface="Microsoft YaHei" panose="020B0503020204020204" pitchFamily="34" charset="-122"/>
-                  </a:rPr>
-                  <a:t>，</a:t>
-                </a:r>
-                <a:r>
-                  <a:rPr kumimoji="1" lang="en-US" altLang="zh-CN" sz="1200" dirty="0" err="1">
-                    <a:solidFill>
-                      <a:srgbClr val="FFC000"/>
-                    </a:solidFill>
-                    <a:latin typeface="Microsoft YaHei" panose="020B0503020204020204" pitchFamily="34" charset="-122"/>
-                    <a:ea typeface="Microsoft YaHei" panose="020B0503020204020204" pitchFamily="34" charset="-122"/>
-                  </a:rPr>
-                  <a:t>deviceSecret</a:t>
-                </a:r>
-                <a:endParaRPr kumimoji="1" lang="en-US" altLang="zh-CN" sz="1200" dirty="0">
-                  <a:solidFill>
-                    <a:srgbClr val="FFC000"/>
-                  </a:solidFill>
-                  <a:latin typeface="Microsoft YaHei" panose="020B0503020204020204" pitchFamily="34" charset="-122"/>
-                  <a:ea typeface="Microsoft YaHei" panose="020B0503020204020204" pitchFamily="34" charset="-122"/>
-                </a:endParaRPr>
-              </a:p>
-              <a:p>
                 <a:endParaRPr kumimoji="1" lang="en-US" altLang="zh-CN" sz="1200" dirty="0">
                   <a:solidFill>
                     <a:srgbClr val="5E6280"/>
@@ -22353,7 +22314,7 @@
                       <a:latin typeface="Microsoft YaHei" panose="020B0503020204020204" pitchFamily="34" charset="-122"/>
                       <a:ea typeface="Microsoft YaHei" panose="020B0503020204020204" pitchFamily="34" charset="-122"/>
                     </a:rPr>
-                    <a:t>2.3</a:t>
+                    <a:t>1.2</a:t>
                   </a:r>
                   <a:endParaRPr kumimoji="1" lang="zh-CN" altLang="en-US" sz="1200" dirty="0">
                     <a:solidFill>
@@ -22456,6 +22417,42 @@
           </p:cxnSp>
         </p:grpSp>
       </p:grpSp>
+      <p:sp>
+        <p:nvSpPr>
+          <p:cNvPr id="2" name="文本框 1">
+            <a:extLst>
+              <a:ext uri="{FF2B5EF4-FFF2-40B4-BE49-F238E27FC236}">
+                <a16:creationId xmlns:a16="http://schemas.microsoft.com/office/drawing/2014/main" id="{62F6095F-C5B8-F54A-8F19-04716D866592}"/>
+              </a:ext>
+            </a:extLst>
+          </p:cNvPr>
+          <p:cNvSpPr txBox="1"/>
+          <p:nvPr/>
+        </p:nvSpPr>
+        <p:spPr>
+          <a:xfrm>
+            <a:off x="3672590" y="314793"/>
+            <a:ext cx="2592376" cy="369332"/>
+          </a:xfrm>
+          <a:prstGeom prst="rect">
+            <a:avLst/>
+          </a:prstGeom>
+          <a:noFill/>
+        </p:spPr>
+        <p:txBody>
+          <a:bodyPr wrap="none" rtlCol="0">
+            <a:spAutoFit/>
+          </a:bodyPr>
+          <a:lstStyle/>
+          <a:p>
+            <a:r>
+              <a:rPr kumimoji="1" lang="en-US" altLang="zh-CN" dirty="0"/>
+              <a:t>connection_scenario_1.2</a:t>
+            </a:r>
+            <a:endParaRPr kumimoji="1" lang="zh-CN" altLang="en-US" dirty="0"/>
+          </a:p>
+        </p:txBody>
+      </p:sp>
     </p:spTree>
     <p:extLst>
       <p:ext uri="{BB962C8B-B14F-4D97-AF65-F5344CB8AC3E}">
@@ -24348,10 +24345,10 @@
           <a:lstStyle/>
           <a:p>
             <a:r>
-              <a:rPr kumimoji="1" lang="en-US" altLang="zh-CN" dirty="0"/>
+              <a:rPr kumimoji="1" lang="en-US" altLang="zh-CN" strike="sngStrike" dirty="0"/>
               <a:t>connection_scenario_2.1</a:t>
             </a:r>
-            <a:endParaRPr kumimoji="1" lang="zh-CN" altLang="en-US" dirty="0"/>
+            <a:endParaRPr kumimoji="1" lang="zh-CN" altLang="en-US" strike="sngStrike" dirty="0"/>
           </a:p>
         </p:txBody>
       </p:sp>
@@ -25159,7 +25156,7 @@
                     <a:latin typeface="Microsoft YaHei" panose="020B0503020204020204" pitchFamily="34" charset="-122"/>
                     <a:ea typeface="Microsoft YaHei" panose="020B0503020204020204" pitchFamily="34" charset="-122"/>
                   </a:rPr>
-                  <a:t>2.1</a:t>
+                  <a:t>1.3</a:t>
                 </a:r>
                 <a:endParaRPr kumimoji="1" lang="zh-CN" altLang="en-US" sz="1200" dirty="0">
                   <a:solidFill>
@@ -25537,6 +25534,42 @@
           </p:txBody>
         </p:sp>
       </p:grpSp>
+      <p:sp>
+        <p:nvSpPr>
+          <p:cNvPr id="2" name="文本框 1">
+            <a:extLst>
+              <a:ext uri="{FF2B5EF4-FFF2-40B4-BE49-F238E27FC236}">
+                <a16:creationId xmlns:a16="http://schemas.microsoft.com/office/drawing/2014/main" id="{3460EB82-152C-BE43-ADAE-50529D14FF4A}"/>
+              </a:ext>
+            </a:extLst>
+          </p:cNvPr>
+          <p:cNvSpPr txBox="1"/>
+          <p:nvPr/>
+        </p:nvSpPr>
+        <p:spPr>
+          <a:xfrm>
+            <a:off x="3297836" y="584616"/>
+            <a:ext cx="2592376" cy="369332"/>
+          </a:xfrm>
+          <a:prstGeom prst="rect">
+            <a:avLst/>
+          </a:prstGeom>
+          <a:noFill/>
+        </p:spPr>
+        <p:txBody>
+          <a:bodyPr wrap="none" rtlCol="0">
+            <a:spAutoFit/>
+          </a:bodyPr>
+          <a:lstStyle/>
+          <a:p>
+            <a:r>
+              <a:rPr kumimoji="1" lang="en-US" altLang="zh-CN" dirty="0"/>
+              <a:t>connection_scenario_1.3</a:t>
+            </a:r>
+            <a:endParaRPr kumimoji="1" lang="zh-CN" altLang="en-US" dirty="0"/>
+          </a:p>
+        </p:txBody>
+      </p:sp>
     </p:spTree>
     <p:extLst>
       <p:ext uri="{BB962C8B-B14F-4D97-AF65-F5344CB8AC3E}">
@@ -25596,10 +25629,10 @@
           <a:lstStyle/>
           <a:p>
             <a:r>
-              <a:rPr kumimoji="1" lang="en-US" altLang="zh-CN" dirty="0"/>
+              <a:rPr kumimoji="1" lang="en-US" altLang="zh-CN" strike="sngStrike" dirty="0"/>
               <a:t>connection_scenario_1.1</a:t>
             </a:r>
-            <a:endParaRPr kumimoji="1" lang="zh-CN" altLang="en-US" dirty="0"/>
+            <a:endParaRPr kumimoji="1" lang="zh-CN" altLang="en-US" strike="sngStrike" dirty="0"/>
           </a:p>
         </p:txBody>
       </p:sp>
@@ -26724,7 +26757,7 @@
                     <a:latin typeface="Microsoft YaHei" panose="020B0503020204020204" pitchFamily="34" charset="-122"/>
                     <a:ea typeface="Microsoft YaHei" panose="020B0503020204020204" pitchFamily="34" charset="-122"/>
                   </a:rPr>
-                  <a:t>1.1</a:t>
+                  <a:t>2.2</a:t>
                 </a:r>
                 <a:endParaRPr kumimoji="1" lang="zh-CN" altLang="en-US" sz="1200" dirty="0">
                   <a:solidFill>
@@ -26826,6 +26859,45 @@
           </p:style>
         </p:cxnSp>
       </p:grpSp>
+      <p:sp>
+        <p:nvSpPr>
+          <p:cNvPr id="2" name="文本框 1">
+            <a:extLst>
+              <a:ext uri="{FF2B5EF4-FFF2-40B4-BE49-F238E27FC236}">
+                <a16:creationId xmlns:a16="http://schemas.microsoft.com/office/drawing/2014/main" id="{BFEFB1E4-DE9F-E842-A08E-6B80751BCC5F}"/>
+              </a:ext>
+            </a:extLst>
+          </p:cNvPr>
+          <p:cNvSpPr txBox="1"/>
+          <p:nvPr/>
+        </p:nvSpPr>
+        <p:spPr>
+          <a:xfrm>
+            <a:off x="3507698" y="329784"/>
+            <a:ext cx="2592376" cy="646331"/>
+          </a:xfrm>
+          <a:prstGeom prst="rect">
+            <a:avLst/>
+          </a:prstGeom>
+          <a:noFill/>
+        </p:spPr>
+        <p:txBody>
+          <a:bodyPr wrap="none" rtlCol="0">
+            <a:spAutoFit/>
+          </a:bodyPr>
+          <a:lstStyle/>
+          <a:p>
+            <a:r>
+              <a:rPr kumimoji="1" lang="en-US" altLang="zh-CN" dirty="0"/>
+              <a:t>connection_scenario_2.2</a:t>
+            </a:r>
+            <a:endParaRPr kumimoji="1" lang="zh-CN" altLang="en-US" dirty="0"/>
+          </a:p>
+          <a:p>
+            <a:endParaRPr kumimoji="1" lang="zh-CN" altLang="en-US" dirty="0"/>
+          </a:p>
+        </p:txBody>
+      </p:sp>
     </p:spTree>
     <p:extLst>
       <p:ext uri="{BB962C8B-B14F-4D97-AF65-F5344CB8AC3E}">
@@ -26885,10 +26957,10 @@
           <a:lstStyle/>
           <a:p>
             <a:r>
-              <a:rPr kumimoji="1" lang="en-US" altLang="zh-CN" dirty="0"/>
+              <a:rPr kumimoji="1" lang="en-US" altLang="zh-CN" strike="sngStrike" dirty="0"/>
               <a:t>connection_scenario_1.2</a:t>
             </a:r>
-            <a:endParaRPr kumimoji="1" lang="zh-CN" altLang="en-US" dirty="0"/>
+            <a:endParaRPr kumimoji="1" lang="zh-CN" altLang="en-US" strike="sngStrike" dirty="0"/>
           </a:p>
         </p:txBody>
       </p:sp>
@@ -27837,7 +27909,7 @@
                     <a:latin typeface="Microsoft YaHei" panose="020B0503020204020204" pitchFamily="34" charset="-122"/>
                     <a:ea typeface="Microsoft YaHei" panose="020B0503020204020204" pitchFamily="34" charset="-122"/>
                   </a:rPr>
-                  <a:t>1.2</a:t>
+                  <a:t>2.1</a:t>
                 </a:r>
                 <a:endParaRPr kumimoji="1" lang="zh-CN" altLang="en-US" sz="1200" dirty="0">
                   <a:solidFill>
@@ -27942,6 +28014,42 @@
           </p:style>
         </p:cxnSp>
       </p:grpSp>
+      <p:sp>
+        <p:nvSpPr>
+          <p:cNvPr id="2" name="文本框 1">
+            <a:extLst>
+              <a:ext uri="{FF2B5EF4-FFF2-40B4-BE49-F238E27FC236}">
+                <a16:creationId xmlns:a16="http://schemas.microsoft.com/office/drawing/2014/main" id="{E2297DA4-5198-A248-B068-89B468D17346}"/>
+              </a:ext>
+            </a:extLst>
+          </p:cNvPr>
+          <p:cNvSpPr txBox="1"/>
+          <p:nvPr/>
+        </p:nvSpPr>
+        <p:spPr>
+          <a:xfrm>
+            <a:off x="3846786" y="378372"/>
+            <a:ext cx="2592376" cy="369332"/>
+          </a:xfrm>
+          <a:prstGeom prst="rect">
+            <a:avLst/>
+          </a:prstGeom>
+          <a:noFill/>
+        </p:spPr>
+        <p:txBody>
+          <a:bodyPr wrap="none" rtlCol="0">
+            <a:spAutoFit/>
+          </a:bodyPr>
+          <a:lstStyle/>
+          <a:p>
+            <a:r>
+              <a:rPr kumimoji="1" lang="en-US" altLang="zh-CN" dirty="0"/>
+              <a:t>connection_scenario_2.1</a:t>
+            </a:r>
+            <a:endParaRPr kumimoji="1" lang="zh-CN" altLang="en-US" dirty="0"/>
+          </a:p>
+        </p:txBody>
+      </p:sp>
     </p:spTree>
     <p:extLst>
       <p:ext uri="{BB962C8B-B14F-4D97-AF65-F5344CB8AC3E}">

--- a/media/device_zh.pptx
+++ b/media/device_zh.pptx
@@ -287,7 +287,7 @@
           <a:p>
             <a:fld id="{47277FB0-21EC-48C5-90B0-184600466A6C}" type="datetimeFigureOut">
               <a:rPr lang="zh-CN" altLang="en-US" smtClean="0"/>
-              <a:t>2019/1/17</a:t>
+              <a:t>2019/2/19</a:t>
             </a:fld>
             <a:endParaRPr lang="zh-CN" altLang="en-US"/>
           </a:p>
@@ -452,7 +452,7 @@
           <a:p>
             <a:fld id="{9C967889-4715-5C4F-A252-FFC716185AB6}" type="datetimeFigureOut">
               <a:rPr lang="en-US" smtClean="0"/>
-              <a:t>1/17/19</a:t>
+              <a:t>2/19/19</a:t>
             </a:fld>
             <a:endParaRPr lang="en-US"/>
           </a:p>
@@ -22120,8 +22120,8 @@
             </p:nvSpPr>
             <p:spPr>
               <a:xfrm>
-                <a:off x="1100202" y="1163271"/>
-                <a:ext cx="1778051" cy="577081"/>
+                <a:off x="1250038" y="1132886"/>
+                <a:ext cx="1600118" cy="577081"/>
               </a:xfrm>
               <a:prstGeom prst="rect">
                 <a:avLst/>
@@ -22181,27 +22181,7 @@
                     <a:latin typeface="Microsoft YaHei" panose="020B0503020204020204" pitchFamily="34" charset="-122"/>
                     <a:ea typeface="Microsoft YaHei" panose="020B0503020204020204" pitchFamily="34" charset="-122"/>
                   </a:rPr>
-                  <a:t>deviceKey</a:t>
-                </a:r>
-                <a:r>
-                  <a:rPr kumimoji="1" lang="zh-CN" altLang="en-US" sz="1050" dirty="0">
-                    <a:solidFill>
-                      <a:srgbClr val="5E6280"/>
-                    </a:solidFill>
-                    <a:latin typeface="Microsoft YaHei" panose="020B0503020204020204" pitchFamily="34" charset="-122"/>
-                    <a:ea typeface="Microsoft YaHei" panose="020B0503020204020204" pitchFamily="34" charset="-122"/>
-                  </a:rPr>
-                  <a:t>，</a:t>
-                </a:r>
-                <a:r>
-                  <a:rPr kumimoji="1" lang="en-US" altLang="zh-CN" sz="1050" dirty="0" err="1">
-                    <a:solidFill>
-                      <a:srgbClr val="FFC000"/>
-                    </a:solidFill>
-                    <a:latin typeface="Microsoft YaHei" panose="020B0503020204020204" pitchFamily="34" charset="-122"/>
-                    <a:ea typeface="Microsoft YaHei" panose="020B0503020204020204" pitchFamily="34" charset="-122"/>
-                  </a:rPr>
-                  <a:t>deviceSecret</a:t>
+                  <a:t>productSecret</a:t>
                 </a:r>
                 <a:endParaRPr kumimoji="1" lang="en-US" altLang="zh-CN" sz="1050" dirty="0">
                   <a:solidFill>
